--- a/docs/planningdocuments/starter.pptx
+++ b/docs/planningdocuments/starter.pptx
@@ -7,6 +7,7 @@
   <p:sldIdLst>
     <p:sldId id="257" r:id="rId2"/>
     <p:sldId id="256" r:id="rId3"/>
+    <p:sldId id="258" r:id="rId4"/>
   </p:sldIdLst>
   <p:sldSz cx="12192000" cy="6858000"/>
   <p:notesSz cx="6858000" cy="9144000"/>
@@ -260,7 +261,7 @@
           <a:p>
             <a:fld id="{FB39384E-423E-4723-A816-D8771D551775}" type="datetimeFigureOut">
               <a:rPr lang="en-US" smtClean="0"/>
-              <a:t>9/15/2021</a:t>
+              <a:t>9/12/2023</a:t>
             </a:fld>
             <a:endParaRPr lang="en-US"/>
           </a:p>
@@ -458,7 +459,7 @@
           <a:p>
             <a:fld id="{FB39384E-423E-4723-A816-D8771D551775}" type="datetimeFigureOut">
               <a:rPr lang="en-US" smtClean="0"/>
-              <a:t>9/15/2021</a:t>
+              <a:t>9/12/2023</a:t>
             </a:fld>
             <a:endParaRPr lang="en-US"/>
           </a:p>
@@ -666,7 +667,7 @@
           <a:p>
             <a:fld id="{FB39384E-423E-4723-A816-D8771D551775}" type="datetimeFigureOut">
               <a:rPr lang="en-US" smtClean="0"/>
-              <a:t>9/15/2021</a:t>
+              <a:t>9/12/2023</a:t>
             </a:fld>
             <a:endParaRPr lang="en-US"/>
           </a:p>
@@ -864,7 +865,7 @@
           <a:p>
             <a:fld id="{FB39384E-423E-4723-A816-D8771D551775}" type="datetimeFigureOut">
               <a:rPr lang="en-US" smtClean="0"/>
-              <a:t>9/15/2021</a:t>
+              <a:t>9/12/2023</a:t>
             </a:fld>
             <a:endParaRPr lang="en-US"/>
           </a:p>
@@ -1139,7 +1140,7 @@
           <a:p>
             <a:fld id="{FB39384E-423E-4723-A816-D8771D551775}" type="datetimeFigureOut">
               <a:rPr lang="en-US" smtClean="0"/>
-              <a:t>9/15/2021</a:t>
+              <a:t>9/12/2023</a:t>
             </a:fld>
             <a:endParaRPr lang="en-US"/>
           </a:p>
@@ -1404,7 +1405,7 @@
           <a:p>
             <a:fld id="{FB39384E-423E-4723-A816-D8771D551775}" type="datetimeFigureOut">
               <a:rPr lang="en-US" smtClean="0"/>
-              <a:t>9/15/2021</a:t>
+              <a:t>9/12/2023</a:t>
             </a:fld>
             <a:endParaRPr lang="en-US"/>
           </a:p>
@@ -1816,7 +1817,7 @@
           <a:p>
             <a:fld id="{FB39384E-423E-4723-A816-D8771D551775}" type="datetimeFigureOut">
               <a:rPr lang="en-US" smtClean="0"/>
-              <a:t>9/15/2021</a:t>
+              <a:t>9/12/2023</a:t>
             </a:fld>
             <a:endParaRPr lang="en-US"/>
           </a:p>
@@ -1957,7 +1958,7 @@
           <a:p>
             <a:fld id="{FB39384E-423E-4723-A816-D8771D551775}" type="datetimeFigureOut">
               <a:rPr lang="en-US" smtClean="0"/>
-              <a:t>9/15/2021</a:t>
+              <a:t>9/12/2023</a:t>
             </a:fld>
             <a:endParaRPr lang="en-US"/>
           </a:p>
@@ -2070,7 +2071,7 @@
           <a:p>
             <a:fld id="{FB39384E-423E-4723-A816-D8771D551775}" type="datetimeFigureOut">
               <a:rPr lang="en-US" smtClean="0"/>
-              <a:t>9/15/2021</a:t>
+              <a:t>9/12/2023</a:t>
             </a:fld>
             <a:endParaRPr lang="en-US"/>
           </a:p>
@@ -2381,7 +2382,7 @@
           <a:p>
             <a:fld id="{FB39384E-423E-4723-A816-D8771D551775}" type="datetimeFigureOut">
               <a:rPr lang="en-US" smtClean="0"/>
-              <a:t>9/15/2021</a:t>
+              <a:t>9/12/2023</a:t>
             </a:fld>
             <a:endParaRPr lang="en-US"/>
           </a:p>
@@ -2669,7 +2670,7 @@
           <a:p>
             <a:fld id="{FB39384E-423E-4723-A816-D8771D551775}" type="datetimeFigureOut">
               <a:rPr lang="en-US" smtClean="0"/>
-              <a:t>9/15/2021</a:t>
+              <a:t>9/12/2023</a:t>
             </a:fld>
             <a:endParaRPr lang="en-US"/>
           </a:p>
@@ -2910,7 +2911,7 @@
           <a:p>
             <a:fld id="{FB39384E-423E-4723-A816-D8771D551775}" type="datetimeFigureOut">
               <a:rPr lang="en-US" smtClean="0"/>
-              <a:t>9/15/2021</a:t>
+              <a:t>9/12/2023</a:t>
             </a:fld>
             <a:endParaRPr lang="en-US"/>
           </a:p>
@@ -5091,7 +5092,7 @@
           <p:nvPr>
             <p:extLst>
               <p:ext uri="{D42A27DB-BD31-4B8C-83A1-F6EECF244321}">
-                <p14:modId xmlns:p14="http://schemas.microsoft.com/office/powerpoint/2010/main" val="3044585984"/>
+                <p14:modId xmlns:p14="http://schemas.microsoft.com/office/powerpoint/2010/main" val="3343270908"/>
               </p:ext>
             </p:extLst>
           </p:nvPr>
@@ -5195,23 +5196,17 @@
                     <a:bodyPr/>
                     <a:lstStyle/>
                     <a:p>
-                      <a:r>
-                        <a:rPr lang="en-US" dirty="0"/>
-                        <a:t>ULID</a:t>
-                      </a:r>
-                    </a:p>
-                  </a:txBody>
-                  <a:tcPr/>
-                </a:tc>
-                <a:tc>
-                  <a:txBody>
-                    <a:bodyPr/>
-                    <a:lstStyle/>
-                    <a:p>
-                      <a:r>
-                        <a:rPr lang="en-US" dirty="0"/>
-                        <a:t>int (Foreign)</a:t>
-                      </a:r>
+                      <a:endParaRPr lang="en-US" dirty="0"/>
+                    </a:p>
+                  </a:txBody>
+                  <a:tcPr/>
+                </a:tc>
+                <a:tc>
+                  <a:txBody>
+                    <a:bodyPr/>
+                    <a:lstStyle/>
+                    <a:p>
+                      <a:endParaRPr lang="en-US" dirty="0"/>
                     </a:p>
                   </a:txBody>
                   <a:tcPr/>
@@ -5331,14 +5326,30 @@
                     <a:lstStyle/>
                     <a:p>
                       <a:r>
-                        <a:rPr lang="en-US" dirty="0" err="1"/>
-                        <a:t>address_one</a:t>
-                      </a:r>
+                        <a:rPr lang="en-US" dirty="0"/>
+                        <a:t>Phone</a:t>
+                      </a:r>
+                    </a:p>
+                  </a:txBody>
+                  <a:tcPr/>
+                </a:tc>
+                <a:tc>
+                  <a:txBody>
+                    <a:bodyPr/>
+                    <a:lstStyle/>
+                    <a:p>
                       <a:endParaRPr lang="en-US" dirty="0"/>
                     </a:p>
                   </a:txBody>
                   <a:tcPr/>
                 </a:tc>
+                <a:extLst>
+                  <a:ext uri="{0D108BD9-81ED-4DB2-BD59-A6C34878D82A}">
+                    <a16:rowId xmlns:a16="http://schemas.microsoft.com/office/drawing/2014/main" val="286829791"/>
+                  </a:ext>
+                </a:extLst>
+              </a:tr>
+              <a:tr h="370840">
                 <a:tc>
                   <a:txBody>
                     <a:bodyPr/>
@@ -5346,42 +5357,18 @@
                     <a:p>
                       <a:r>
                         <a:rPr lang="en-US" dirty="0"/>
-                        <a:t>varchar</a:t>
-                      </a:r>
-                    </a:p>
-                  </a:txBody>
-                  <a:tcPr/>
-                </a:tc>
-                <a:extLst>
-                  <a:ext uri="{0D108BD9-81ED-4DB2-BD59-A6C34878D82A}">
-                    <a16:rowId xmlns:a16="http://schemas.microsoft.com/office/drawing/2014/main" val="286829791"/>
-                  </a:ext>
-                </a:extLst>
-              </a:tr>
-              <a:tr h="370840">
-                <a:tc>
-                  <a:txBody>
-                    <a:bodyPr/>
-                    <a:lstStyle/>
-                    <a:p>
-                      <a:r>
-                        <a:rPr lang="en-US" dirty="0" err="1"/>
-                        <a:t>address_two</a:t>
-                      </a:r>
+                        <a:t>email</a:t>
+                      </a:r>
+                    </a:p>
+                  </a:txBody>
+                  <a:tcPr/>
+                </a:tc>
+                <a:tc>
+                  <a:txBody>
+                    <a:bodyPr/>
+                    <a:lstStyle/>
+                    <a:p>
                       <a:endParaRPr lang="en-US" dirty="0"/>
-                    </a:p>
-                  </a:txBody>
-                  <a:tcPr/>
-                </a:tc>
-                <a:tc>
-                  <a:txBody>
-                    <a:bodyPr/>
-                    <a:lstStyle/>
-                    <a:p>
-                      <a:r>
-                        <a:rPr lang="en-US" dirty="0"/>
-                        <a:t>varchar</a:t>
-                      </a:r>
                     </a:p>
                   </a:txBody>
                   <a:tcPr/>
@@ -5796,6 +5783,1125 @@
     <p:extLst>
       <p:ext uri="{BB962C8B-B14F-4D97-AF65-F5344CB8AC3E}">
         <p14:creationId xmlns:p14="http://schemas.microsoft.com/office/powerpoint/2010/main" val="3970554835"/>
+      </p:ext>
+    </p:extLst>
+  </p:cSld>
+  <p:clrMapOvr>
+    <a:masterClrMapping/>
+  </p:clrMapOvr>
+</p:sld>
+</file>
+
+<file path=ppt/slides/slide3.xml><?xml version="1.0" encoding="utf-8"?>
+<p:sld xmlns:a="http://schemas.openxmlformats.org/drawingml/2006/main" xmlns:r="http://schemas.openxmlformats.org/officeDocument/2006/relationships" xmlns:p="http://schemas.openxmlformats.org/presentationml/2006/main">
+  <p:cSld>
+    <p:spTree>
+      <p:nvGrpSpPr>
+        <p:cNvPr id="1" name=""/>
+        <p:cNvGrpSpPr/>
+        <p:nvPr/>
+      </p:nvGrpSpPr>
+      <p:grpSpPr>
+        <a:xfrm>
+          <a:off x="0" y="0"/>
+          <a:ext cx="0" cy="0"/>
+          <a:chOff x="0" y="0"/>
+          <a:chExt cx="0" cy="0"/>
+        </a:xfrm>
+      </p:grpSpPr>
+      <p:graphicFrame>
+        <p:nvGraphicFramePr>
+          <p:cNvPr id="4" name="Table 4">
+            <a:extLst>
+              <a:ext uri="{FF2B5EF4-FFF2-40B4-BE49-F238E27FC236}">
+                <a16:creationId xmlns:a16="http://schemas.microsoft.com/office/drawing/2014/main" id="{8CAD000C-5DCA-C874-12A5-206CB79B0374}"/>
+              </a:ext>
+            </a:extLst>
+          </p:cNvPr>
+          <p:cNvGraphicFramePr>
+            <a:graphicFrameLocks noGrp="1"/>
+          </p:cNvGraphicFramePr>
+          <p:nvPr>
+            <p:extLst>
+              <p:ext uri="{D42A27DB-BD31-4B8C-83A1-F6EECF244321}">
+                <p14:modId xmlns:p14="http://schemas.microsoft.com/office/powerpoint/2010/main" val="4144620668"/>
+              </p:ext>
+            </p:extLst>
+          </p:nvPr>
+        </p:nvGraphicFramePr>
+        <p:xfrm>
+          <a:off x="2032000" y="719666"/>
+          <a:ext cx="2828758" cy="1112520"/>
+        </p:xfrm>
+        <a:graphic>
+          <a:graphicData uri="http://schemas.openxmlformats.org/drawingml/2006/table">
+            <a:tbl>
+              <a:tblPr firstRow="1" bandRow="1">
+                <a:tableStyleId>{5C22544A-7EE6-4342-B048-85BDC9FD1C3A}</a:tableStyleId>
+              </a:tblPr>
+              <a:tblGrid>
+                <a:gridCol w="1414379">
+                  <a:extLst>
+                    <a:ext uri="{9D8B030D-6E8A-4147-A177-3AD203B41FA5}">
+                      <a16:colId xmlns:a16="http://schemas.microsoft.com/office/drawing/2014/main" val="2753936742"/>
+                    </a:ext>
+                  </a:extLst>
+                </a:gridCol>
+                <a:gridCol w="1414379">
+                  <a:extLst>
+                    <a:ext uri="{9D8B030D-6E8A-4147-A177-3AD203B41FA5}">
+                      <a16:colId xmlns:a16="http://schemas.microsoft.com/office/drawing/2014/main" val="2496485342"/>
+                    </a:ext>
+                  </a:extLst>
+                </a:gridCol>
+              </a:tblGrid>
+              <a:tr h="370840">
+                <a:tc>
+                  <a:txBody>
+                    <a:bodyPr/>
+                    <a:lstStyle/>
+                    <a:p>
+                      <a:r>
+                        <a:rPr lang="en-US" dirty="0" err="1"/>
+                        <a:t>User_table</a:t>
+                      </a:r>
+                      <a:endParaRPr lang="en-US" dirty="0"/>
+                    </a:p>
+                  </a:txBody>
+                  <a:tcPr/>
+                </a:tc>
+                <a:tc>
+                  <a:txBody>
+                    <a:bodyPr/>
+                    <a:lstStyle/>
+                    <a:p>
+                      <a:endParaRPr lang="en-US"/>
+                    </a:p>
+                  </a:txBody>
+                  <a:tcPr/>
+                </a:tc>
+                <a:extLst>
+                  <a:ext uri="{0D108BD9-81ED-4DB2-BD59-A6C34878D82A}">
+                    <a16:rowId xmlns:a16="http://schemas.microsoft.com/office/drawing/2014/main" val="242075065"/>
+                  </a:ext>
+                </a:extLst>
+              </a:tr>
+              <a:tr h="370840">
+                <a:tc>
+                  <a:txBody>
+                    <a:bodyPr/>
+                    <a:lstStyle/>
+                    <a:p>
+                      <a:endParaRPr lang="en-US"/>
+                    </a:p>
+                  </a:txBody>
+                  <a:tcPr/>
+                </a:tc>
+                <a:tc>
+                  <a:txBody>
+                    <a:bodyPr/>
+                    <a:lstStyle/>
+                    <a:p>
+                      <a:endParaRPr lang="en-US"/>
+                    </a:p>
+                  </a:txBody>
+                  <a:tcPr/>
+                </a:tc>
+                <a:extLst>
+                  <a:ext uri="{0D108BD9-81ED-4DB2-BD59-A6C34878D82A}">
+                    <a16:rowId xmlns:a16="http://schemas.microsoft.com/office/drawing/2014/main" val="3865372532"/>
+                  </a:ext>
+                </a:extLst>
+              </a:tr>
+              <a:tr h="370840">
+                <a:tc>
+                  <a:txBody>
+                    <a:bodyPr/>
+                    <a:lstStyle/>
+                    <a:p>
+                      <a:endParaRPr lang="en-US"/>
+                    </a:p>
+                  </a:txBody>
+                  <a:tcPr/>
+                </a:tc>
+                <a:tc>
+                  <a:txBody>
+                    <a:bodyPr/>
+                    <a:lstStyle/>
+                    <a:p>
+                      <a:endParaRPr lang="en-US" dirty="0"/>
+                    </a:p>
+                  </a:txBody>
+                  <a:tcPr/>
+                </a:tc>
+                <a:extLst>
+                  <a:ext uri="{0D108BD9-81ED-4DB2-BD59-A6C34878D82A}">
+                    <a16:rowId xmlns:a16="http://schemas.microsoft.com/office/drawing/2014/main" val="1442589501"/>
+                  </a:ext>
+                </a:extLst>
+              </a:tr>
+            </a:tbl>
+          </a:graphicData>
+        </a:graphic>
+      </p:graphicFrame>
+      <p:graphicFrame>
+        <p:nvGraphicFramePr>
+          <p:cNvPr id="5" name="Table 4">
+            <a:extLst>
+              <a:ext uri="{FF2B5EF4-FFF2-40B4-BE49-F238E27FC236}">
+                <a16:creationId xmlns:a16="http://schemas.microsoft.com/office/drawing/2014/main" id="{DB0D3073-1FD0-6E05-8C17-E009C7B6634F}"/>
+              </a:ext>
+            </a:extLst>
+          </p:cNvPr>
+          <p:cNvGraphicFramePr>
+            <a:graphicFrameLocks noGrp="1"/>
+          </p:cNvGraphicFramePr>
+          <p:nvPr>
+            <p:extLst>
+              <p:ext uri="{D42A27DB-BD31-4B8C-83A1-F6EECF244321}">
+                <p14:modId xmlns:p14="http://schemas.microsoft.com/office/powerpoint/2010/main" val="3414801111"/>
+              </p:ext>
+            </p:extLst>
+          </p:nvPr>
+        </p:nvGraphicFramePr>
+        <p:xfrm>
+          <a:off x="2184400" y="872066"/>
+          <a:ext cx="2828758" cy="1112520"/>
+        </p:xfrm>
+        <a:graphic>
+          <a:graphicData uri="http://schemas.openxmlformats.org/drawingml/2006/table">
+            <a:tbl>
+              <a:tblPr firstRow="1" bandRow="1">
+                <a:tableStyleId>{5C22544A-7EE6-4342-B048-85BDC9FD1C3A}</a:tableStyleId>
+              </a:tblPr>
+              <a:tblGrid>
+                <a:gridCol w="1414379">
+                  <a:extLst>
+                    <a:ext uri="{9D8B030D-6E8A-4147-A177-3AD203B41FA5}">
+                      <a16:colId xmlns:a16="http://schemas.microsoft.com/office/drawing/2014/main" val="2753936742"/>
+                    </a:ext>
+                  </a:extLst>
+                </a:gridCol>
+                <a:gridCol w="1414379">
+                  <a:extLst>
+                    <a:ext uri="{9D8B030D-6E8A-4147-A177-3AD203B41FA5}">
+                      <a16:colId xmlns:a16="http://schemas.microsoft.com/office/drawing/2014/main" val="2496485342"/>
+                    </a:ext>
+                  </a:extLst>
+                </a:gridCol>
+              </a:tblGrid>
+              <a:tr h="370840">
+                <a:tc>
+                  <a:txBody>
+                    <a:bodyPr/>
+                    <a:lstStyle/>
+                    <a:p>
+                      <a:r>
+                        <a:rPr lang="en-US" dirty="0" err="1"/>
+                        <a:t>User_table</a:t>
+                      </a:r>
+                      <a:endParaRPr lang="en-US" dirty="0"/>
+                    </a:p>
+                  </a:txBody>
+                  <a:tcPr/>
+                </a:tc>
+                <a:tc>
+                  <a:txBody>
+                    <a:bodyPr/>
+                    <a:lstStyle/>
+                    <a:p>
+                      <a:endParaRPr lang="en-US"/>
+                    </a:p>
+                  </a:txBody>
+                  <a:tcPr/>
+                </a:tc>
+                <a:extLst>
+                  <a:ext uri="{0D108BD9-81ED-4DB2-BD59-A6C34878D82A}">
+                    <a16:rowId xmlns:a16="http://schemas.microsoft.com/office/drawing/2014/main" val="242075065"/>
+                  </a:ext>
+                </a:extLst>
+              </a:tr>
+              <a:tr h="370840">
+                <a:tc>
+                  <a:txBody>
+                    <a:bodyPr/>
+                    <a:lstStyle/>
+                    <a:p>
+                      <a:endParaRPr lang="en-US"/>
+                    </a:p>
+                  </a:txBody>
+                  <a:tcPr/>
+                </a:tc>
+                <a:tc>
+                  <a:txBody>
+                    <a:bodyPr/>
+                    <a:lstStyle/>
+                    <a:p>
+                      <a:endParaRPr lang="en-US"/>
+                    </a:p>
+                  </a:txBody>
+                  <a:tcPr/>
+                </a:tc>
+                <a:extLst>
+                  <a:ext uri="{0D108BD9-81ED-4DB2-BD59-A6C34878D82A}">
+                    <a16:rowId xmlns:a16="http://schemas.microsoft.com/office/drawing/2014/main" val="3865372532"/>
+                  </a:ext>
+                </a:extLst>
+              </a:tr>
+              <a:tr h="370840">
+                <a:tc>
+                  <a:txBody>
+                    <a:bodyPr/>
+                    <a:lstStyle/>
+                    <a:p>
+                      <a:endParaRPr lang="en-US"/>
+                    </a:p>
+                  </a:txBody>
+                  <a:tcPr/>
+                </a:tc>
+                <a:tc>
+                  <a:txBody>
+                    <a:bodyPr/>
+                    <a:lstStyle/>
+                    <a:p>
+                      <a:endParaRPr lang="en-US" dirty="0"/>
+                    </a:p>
+                  </a:txBody>
+                  <a:tcPr/>
+                </a:tc>
+                <a:extLst>
+                  <a:ext uri="{0D108BD9-81ED-4DB2-BD59-A6C34878D82A}">
+                    <a16:rowId xmlns:a16="http://schemas.microsoft.com/office/drawing/2014/main" val="1442589501"/>
+                  </a:ext>
+                </a:extLst>
+              </a:tr>
+            </a:tbl>
+          </a:graphicData>
+        </a:graphic>
+      </p:graphicFrame>
+      <p:graphicFrame>
+        <p:nvGraphicFramePr>
+          <p:cNvPr id="6" name="Table 4">
+            <a:extLst>
+              <a:ext uri="{FF2B5EF4-FFF2-40B4-BE49-F238E27FC236}">
+                <a16:creationId xmlns:a16="http://schemas.microsoft.com/office/drawing/2014/main" id="{676DE4F1-19B4-4BED-7364-1CA705AD2F5A}"/>
+              </a:ext>
+            </a:extLst>
+          </p:cNvPr>
+          <p:cNvGraphicFramePr>
+            <a:graphicFrameLocks noGrp="1"/>
+          </p:cNvGraphicFramePr>
+          <p:nvPr>
+            <p:extLst>
+              <p:ext uri="{D42A27DB-BD31-4B8C-83A1-F6EECF244321}">
+                <p14:modId xmlns:p14="http://schemas.microsoft.com/office/powerpoint/2010/main" val="3414801111"/>
+              </p:ext>
+            </p:extLst>
+          </p:nvPr>
+        </p:nvGraphicFramePr>
+        <p:xfrm>
+          <a:off x="2336800" y="1024466"/>
+          <a:ext cx="2828758" cy="1112520"/>
+        </p:xfrm>
+        <a:graphic>
+          <a:graphicData uri="http://schemas.openxmlformats.org/drawingml/2006/table">
+            <a:tbl>
+              <a:tblPr firstRow="1" bandRow="1">
+                <a:tableStyleId>{5C22544A-7EE6-4342-B048-85BDC9FD1C3A}</a:tableStyleId>
+              </a:tblPr>
+              <a:tblGrid>
+                <a:gridCol w="1414379">
+                  <a:extLst>
+                    <a:ext uri="{9D8B030D-6E8A-4147-A177-3AD203B41FA5}">
+                      <a16:colId xmlns:a16="http://schemas.microsoft.com/office/drawing/2014/main" val="2753936742"/>
+                    </a:ext>
+                  </a:extLst>
+                </a:gridCol>
+                <a:gridCol w="1414379">
+                  <a:extLst>
+                    <a:ext uri="{9D8B030D-6E8A-4147-A177-3AD203B41FA5}">
+                      <a16:colId xmlns:a16="http://schemas.microsoft.com/office/drawing/2014/main" val="2496485342"/>
+                    </a:ext>
+                  </a:extLst>
+                </a:gridCol>
+              </a:tblGrid>
+              <a:tr h="370840">
+                <a:tc>
+                  <a:txBody>
+                    <a:bodyPr/>
+                    <a:lstStyle/>
+                    <a:p>
+                      <a:r>
+                        <a:rPr lang="en-US" dirty="0" err="1"/>
+                        <a:t>User_table</a:t>
+                      </a:r>
+                      <a:endParaRPr lang="en-US" dirty="0"/>
+                    </a:p>
+                  </a:txBody>
+                  <a:tcPr/>
+                </a:tc>
+                <a:tc>
+                  <a:txBody>
+                    <a:bodyPr/>
+                    <a:lstStyle/>
+                    <a:p>
+                      <a:endParaRPr lang="en-US"/>
+                    </a:p>
+                  </a:txBody>
+                  <a:tcPr/>
+                </a:tc>
+                <a:extLst>
+                  <a:ext uri="{0D108BD9-81ED-4DB2-BD59-A6C34878D82A}">
+                    <a16:rowId xmlns:a16="http://schemas.microsoft.com/office/drawing/2014/main" val="242075065"/>
+                  </a:ext>
+                </a:extLst>
+              </a:tr>
+              <a:tr h="370840">
+                <a:tc>
+                  <a:txBody>
+                    <a:bodyPr/>
+                    <a:lstStyle/>
+                    <a:p>
+                      <a:endParaRPr lang="en-US"/>
+                    </a:p>
+                  </a:txBody>
+                  <a:tcPr/>
+                </a:tc>
+                <a:tc>
+                  <a:txBody>
+                    <a:bodyPr/>
+                    <a:lstStyle/>
+                    <a:p>
+                      <a:endParaRPr lang="en-US"/>
+                    </a:p>
+                  </a:txBody>
+                  <a:tcPr/>
+                </a:tc>
+                <a:extLst>
+                  <a:ext uri="{0D108BD9-81ED-4DB2-BD59-A6C34878D82A}">
+                    <a16:rowId xmlns:a16="http://schemas.microsoft.com/office/drawing/2014/main" val="3865372532"/>
+                  </a:ext>
+                </a:extLst>
+              </a:tr>
+              <a:tr h="370840">
+                <a:tc>
+                  <a:txBody>
+                    <a:bodyPr/>
+                    <a:lstStyle/>
+                    <a:p>
+                      <a:endParaRPr lang="en-US"/>
+                    </a:p>
+                  </a:txBody>
+                  <a:tcPr/>
+                </a:tc>
+                <a:tc>
+                  <a:txBody>
+                    <a:bodyPr/>
+                    <a:lstStyle/>
+                    <a:p>
+                      <a:endParaRPr lang="en-US" dirty="0"/>
+                    </a:p>
+                  </a:txBody>
+                  <a:tcPr/>
+                </a:tc>
+                <a:extLst>
+                  <a:ext uri="{0D108BD9-81ED-4DB2-BD59-A6C34878D82A}">
+                    <a16:rowId xmlns:a16="http://schemas.microsoft.com/office/drawing/2014/main" val="1442589501"/>
+                  </a:ext>
+                </a:extLst>
+              </a:tr>
+            </a:tbl>
+          </a:graphicData>
+        </a:graphic>
+      </p:graphicFrame>
+      <p:graphicFrame>
+        <p:nvGraphicFramePr>
+          <p:cNvPr id="7" name="Table 4">
+            <a:extLst>
+              <a:ext uri="{FF2B5EF4-FFF2-40B4-BE49-F238E27FC236}">
+                <a16:creationId xmlns:a16="http://schemas.microsoft.com/office/drawing/2014/main" id="{B5048153-8E5B-AB4D-448F-B2589390F915}"/>
+              </a:ext>
+            </a:extLst>
+          </p:cNvPr>
+          <p:cNvGraphicFramePr>
+            <a:graphicFrameLocks noGrp="1"/>
+          </p:cNvGraphicFramePr>
+          <p:nvPr>
+            <p:extLst>
+              <p:ext uri="{D42A27DB-BD31-4B8C-83A1-F6EECF244321}">
+                <p14:modId xmlns:p14="http://schemas.microsoft.com/office/powerpoint/2010/main" val="3414801111"/>
+              </p:ext>
+            </p:extLst>
+          </p:nvPr>
+        </p:nvGraphicFramePr>
+        <p:xfrm>
+          <a:off x="2489200" y="1176866"/>
+          <a:ext cx="2828758" cy="1112520"/>
+        </p:xfrm>
+        <a:graphic>
+          <a:graphicData uri="http://schemas.openxmlformats.org/drawingml/2006/table">
+            <a:tbl>
+              <a:tblPr firstRow="1" bandRow="1">
+                <a:tableStyleId>{5C22544A-7EE6-4342-B048-85BDC9FD1C3A}</a:tableStyleId>
+              </a:tblPr>
+              <a:tblGrid>
+                <a:gridCol w="1414379">
+                  <a:extLst>
+                    <a:ext uri="{9D8B030D-6E8A-4147-A177-3AD203B41FA5}">
+                      <a16:colId xmlns:a16="http://schemas.microsoft.com/office/drawing/2014/main" val="2753936742"/>
+                    </a:ext>
+                  </a:extLst>
+                </a:gridCol>
+                <a:gridCol w="1414379">
+                  <a:extLst>
+                    <a:ext uri="{9D8B030D-6E8A-4147-A177-3AD203B41FA5}">
+                      <a16:colId xmlns:a16="http://schemas.microsoft.com/office/drawing/2014/main" val="2496485342"/>
+                    </a:ext>
+                  </a:extLst>
+                </a:gridCol>
+              </a:tblGrid>
+              <a:tr h="370840">
+                <a:tc>
+                  <a:txBody>
+                    <a:bodyPr/>
+                    <a:lstStyle/>
+                    <a:p>
+                      <a:r>
+                        <a:rPr lang="en-US" dirty="0" err="1"/>
+                        <a:t>User_table</a:t>
+                      </a:r>
+                      <a:endParaRPr lang="en-US" dirty="0"/>
+                    </a:p>
+                  </a:txBody>
+                  <a:tcPr/>
+                </a:tc>
+                <a:tc>
+                  <a:txBody>
+                    <a:bodyPr/>
+                    <a:lstStyle/>
+                    <a:p>
+                      <a:endParaRPr lang="en-US"/>
+                    </a:p>
+                  </a:txBody>
+                  <a:tcPr/>
+                </a:tc>
+                <a:extLst>
+                  <a:ext uri="{0D108BD9-81ED-4DB2-BD59-A6C34878D82A}">
+                    <a16:rowId xmlns:a16="http://schemas.microsoft.com/office/drawing/2014/main" val="242075065"/>
+                  </a:ext>
+                </a:extLst>
+              </a:tr>
+              <a:tr h="370840">
+                <a:tc>
+                  <a:txBody>
+                    <a:bodyPr/>
+                    <a:lstStyle/>
+                    <a:p>
+                      <a:endParaRPr lang="en-US"/>
+                    </a:p>
+                  </a:txBody>
+                  <a:tcPr/>
+                </a:tc>
+                <a:tc>
+                  <a:txBody>
+                    <a:bodyPr/>
+                    <a:lstStyle/>
+                    <a:p>
+                      <a:endParaRPr lang="en-US"/>
+                    </a:p>
+                  </a:txBody>
+                  <a:tcPr/>
+                </a:tc>
+                <a:extLst>
+                  <a:ext uri="{0D108BD9-81ED-4DB2-BD59-A6C34878D82A}">
+                    <a16:rowId xmlns:a16="http://schemas.microsoft.com/office/drawing/2014/main" val="3865372532"/>
+                  </a:ext>
+                </a:extLst>
+              </a:tr>
+              <a:tr h="370840">
+                <a:tc>
+                  <a:txBody>
+                    <a:bodyPr/>
+                    <a:lstStyle/>
+                    <a:p>
+                      <a:endParaRPr lang="en-US"/>
+                    </a:p>
+                  </a:txBody>
+                  <a:tcPr/>
+                </a:tc>
+                <a:tc>
+                  <a:txBody>
+                    <a:bodyPr/>
+                    <a:lstStyle/>
+                    <a:p>
+                      <a:endParaRPr lang="en-US" dirty="0"/>
+                    </a:p>
+                  </a:txBody>
+                  <a:tcPr/>
+                </a:tc>
+                <a:extLst>
+                  <a:ext uri="{0D108BD9-81ED-4DB2-BD59-A6C34878D82A}">
+                    <a16:rowId xmlns:a16="http://schemas.microsoft.com/office/drawing/2014/main" val="1442589501"/>
+                  </a:ext>
+                </a:extLst>
+              </a:tr>
+            </a:tbl>
+          </a:graphicData>
+        </a:graphic>
+      </p:graphicFrame>
+      <p:graphicFrame>
+        <p:nvGraphicFramePr>
+          <p:cNvPr id="8" name="Table 4">
+            <a:extLst>
+              <a:ext uri="{FF2B5EF4-FFF2-40B4-BE49-F238E27FC236}">
+                <a16:creationId xmlns:a16="http://schemas.microsoft.com/office/drawing/2014/main" id="{50635414-6851-847A-29BB-85BAF94F47C8}"/>
+              </a:ext>
+            </a:extLst>
+          </p:cNvPr>
+          <p:cNvGraphicFramePr>
+            <a:graphicFrameLocks noGrp="1"/>
+          </p:cNvGraphicFramePr>
+          <p:nvPr>
+            <p:extLst>
+              <p:ext uri="{D42A27DB-BD31-4B8C-83A1-F6EECF244321}">
+                <p14:modId xmlns:p14="http://schemas.microsoft.com/office/powerpoint/2010/main" val="3414801111"/>
+              </p:ext>
+            </p:extLst>
+          </p:nvPr>
+        </p:nvGraphicFramePr>
+        <p:xfrm>
+          <a:off x="2641600" y="1329266"/>
+          <a:ext cx="2828758" cy="1112520"/>
+        </p:xfrm>
+        <a:graphic>
+          <a:graphicData uri="http://schemas.openxmlformats.org/drawingml/2006/table">
+            <a:tbl>
+              <a:tblPr firstRow="1" bandRow="1">
+                <a:tableStyleId>{5C22544A-7EE6-4342-B048-85BDC9FD1C3A}</a:tableStyleId>
+              </a:tblPr>
+              <a:tblGrid>
+                <a:gridCol w="1414379">
+                  <a:extLst>
+                    <a:ext uri="{9D8B030D-6E8A-4147-A177-3AD203B41FA5}">
+                      <a16:colId xmlns:a16="http://schemas.microsoft.com/office/drawing/2014/main" val="2753936742"/>
+                    </a:ext>
+                  </a:extLst>
+                </a:gridCol>
+                <a:gridCol w="1414379">
+                  <a:extLst>
+                    <a:ext uri="{9D8B030D-6E8A-4147-A177-3AD203B41FA5}">
+                      <a16:colId xmlns:a16="http://schemas.microsoft.com/office/drawing/2014/main" val="2496485342"/>
+                    </a:ext>
+                  </a:extLst>
+                </a:gridCol>
+              </a:tblGrid>
+              <a:tr h="370840">
+                <a:tc>
+                  <a:txBody>
+                    <a:bodyPr/>
+                    <a:lstStyle/>
+                    <a:p>
+                      <a:r>
+                        <a:rPr lang="en-US" dirty="0" err="1"/>
+                        <a:t>User_table</a:t>
+                      </a:r>
+                      <a:endParaRPr lang="en-US" dirty="0"/>
+                    </a:p>
+                  </a:txBody>
+                  <a:tcPr/>
+                </a:tc>
+                <a:tc>
+                  <a:txBody>
+                    <a:bodyPr/>
+                    <a:lstStyle/>
+                    <a:p>
+                      <a:endParaRPr lang="en-US"/>
+                    </a:p>
+                  </a:txBody>
+                  <a:tcPr/>
+                </a:tc>
+                <a:extLst>
+                  <a:ext uri="{0D108BD9-81ED-4DB2-BD59-A6C34878D82A}">
+                    <a16:rowId xmlns:a16="http://schemas.microsoft.com/office/drawing/2014/main" val="242075065"/>
+                  </a:ext>
+                </a:extLst>
+              </a:tr>
+              <a:tr h="370840">
+                <a:tc>
+                  <a:txBody>
+                    <a:bodyPr/>
+                    <a:lstStyle/>
+                    <a:p>
+                      <a:endParaRPr lang="en-US"/>
+                    </a:p>
+                  </a:txBody>
+                  <a:tcPr/>
+                </a:tc>
+                <a:tc>
+                  <a:txBody>
+                    <a:bodyPr/>
+                    <a:lstStyle/>
+                    <a:p>
+                      <a:endParaRPr lang="en-US"/>
+                    </a:p>
+                  </a:txBody>
+                  <a:tcPr/>
+                </a:tc>
+                <a:extLst>
+                  <a:ext uri="{0D108BD9-81ED-4DB2-BD59-A6C34878D82A}">
+                    <a16:rowId xmlns:a16="http://schemas.microsoft.com/office/drawing/2014/main" val="3865372532"/>
+                  </a:ext>
+                </a:extLst>
+              </a:tr>
+              <a:tr h="370840">
+                <a:tc>
+                  <a:txBody>
+                    <a:bodyPr/>
+                    <a:lstStyle/>
+                    <a:p>
+                      <a:endParaRPr lang="en-US"/>
+                    </a:p>
+                  </a:txBody>
+                  <a:tcPr/>
+                </a:tc>
+                <a:tc>
+                  <a:txBody>
+                    <a:bodyPr/>
+                    <a:lstStyle/>
+                    <a:p>
+                      <a:endParaRPr lang="en-US" dirty="0"/>
+                    </a:p>
+                  </a:txBody>
+                  <a:tcPr/>
+                </a:tc>
+                <a:extLst>
+                  <a:ext uri="{0D108BD9-81ED-4DB2-BD59-A6C34878D82A}">
+                    <a16:rowId xmlns:a16="http://schemas.microsoft.com/office/drawing/2014/main" val="1442589501"/>
+                  </a:ext>
+                </a:extLst>
+              </a:tr>
+            </a:tbl>
+          </a:graphicData>
+        </a:graphic>
+      </p:graphicFrame>
+      <p:graphicFrame>
+        <p:nvGraphicFramePr>
+          <p:cNvPr id="9" name="Table 4">
+            <a:extLst>
+              <a:ext uri="{FF2B5EF4-FFF2-40B4-BE49-F238E27FC236}">
+                <a16:creationId xmlns:a16="http://schemas.microsoft.com/office/drawing/2014/main" id="{A5212DA1-B9C8-570B-B1F8-DC94AFE5FD77}"/>
+              </a:ext>
+            </a:extLst>
+          </p:cNvPr>
+          <p:cNvGraphicFramePr>
+            <a:graphicFrameLocks noGrp="1"/>
+          </p:cNvGraphicFramePr>
+          <p:nvPr>
+            <p:extLst>
+              <p:ext uri="{D42A27DB-BD31-4B8C-83A1-F6EECF244321}">
+                <p14:modId xmlns:p14="http://schemas.microsoft.com/office/powerpoint/2010/main" val="3414801111"/>
+              </p:ext>
+            </p:extLst>
+          </p:nvPr>
+        </p:nvGraphicFramePr>
+        <p:xfrm>
+          <a:off x="2794000" y="1481666"/>
+          <a:ext cx="2828758" cy="1112520"/>
+        </p:xfrm>
+        <a:graphic>
+          <a:graphicData uri="http://schemas.openxmlformats.org/drawingml/2006/table">
+            <a:tbl>
+              <a:tblPr firstRow="1" bandRow="1">
+                <a:tableStyleId>{5C22544A-7EE6-4342-B048-85BDC9FD1C3A}</a:tableStyleId>
+              </a:tblPr>
+              <a:tblGrid>
+                <a:gridCol w="1414379">
+                  <a:extLst>
+                    <a:ext uri="{9D8B030D-6E8A-4147-A177-3AD203B41FA5}">
+                      <a16:colId xmlns:a16="http://schemas.microsoft.com/office/drawing/2014/main" val="2753936742"/>
+                    </a:ext>
+                  </a:extLst>
+                </a:gridCol>
+                <a:gridCol w="1414379">
+                  <a:extLst>
+                    <a:ext uri="{9D8B030D-6E8A-4147-A177-3AD203B41FA5}">
+                      <a16:colId xmlns:a16="http://schemas.microsoft.com/office/drawing/2014/main" val="2496485342"/>
+                    </a:ext>
+                  </a:extLst>
+                </a:gridCol>
+              </a:tblGrid>
+              <a:tr h="370840">
+                <a:tc>
+                  <a:txBody>
+                    <a:bodyPr/>
+                    <a:lstStyle/>
+                    <a:p>
+                      <a:r>
+                        <a:rPr lang="en-US" dirty="0" err="1"/>
+                        <a:t>User_table</a:t>
+                      </a:r>
+                      <a:endParaRPr lang="en-US" dirty="0"/>
+                    </a:p>
+                  </a:txBody>
+                  <a:tcPr/>
+                </a:tc>
+                <a:tc>
+                  <a:txBody>
+                    <a:bodyPr/>
+                    <a:lstStyle/>
+                    <a:p>
+                      <a:endParaRPr lang="en-US"/>
+                    </a:p>
+                  </a:txBody>
+                  <a:tcPr/>
+                </a:tc>
+                <a:extLst>
+                  <a:ext uri="{0D108BD9-81ED-4DB2-BD59-A6C34878D82A}">
+                    <a16:rowId xmlns:a16="http://schemas.microsoft.com/office/drawing/2014/main" val="242075065"/>
+                  </a:ext>
+                </a:extLst>
+              </a:tr>
+              <a:tr h="370840">
+                <a:tc>
+                  <a:txBody>
+                    <a:bodyPr/>
+                    <a:lstStyle/>
+                    <a:p>
+                      <a:endParaRPr lang="en-US"/>
+                    </a:p>
+                  </a:txBody>
+                  <a:tcPr/>
+                </a:tc>
+                <a:tc>
+                  <a:txBody>
+                    <a:bodyPr/>
+                    <a:lstStyle/>
+                    <a:p>
+                      <a:endParaRPr lang="en-US"/>
+                    </a:p>
+                  </a:txBody>
+                  <a:tcPr/>
+                </a:tc>
+                <a:extLst>
+                  <a:ext uri="{0D108BD9-81ED-4DB2-BD59-A6C34878D82A}">
+                    <a16:rowId xmlns:a16="http://schemas.microsoft.com/office/drawing/2014/main" val="3865372532"/>
+                  </a:ext>
+                </a:extLst>
+              </a:tr>
+              <a:tr h="370840">
+                <a:tc>
+                  <a:txBody>
+                    <a:bodyPr/>
+                    <a:lstStyle/>
+                    <a:p>
+                      <a:endParaRPr lang="en-US"/>
+                    </a:p>
+                  </a:txBody>
+                  <a:tcPr/>
+                </a:tc>
+                <a:tc>
+                  <a:txBody>
+                    <a:bodyPr/>
+                    <a:lstStyle/>
+                    <a:p>
+                      <a:endParaRPr lang="en-US" dirty="0"/>
+                    </a:p>
+                  </a:txBody>
+                  <a:tcPr/>
+                </a:tc>
+                <a:extLst>
+                  <a:ext uri="{0D108BD9-81ED-4DB2-BD59-A6C34878D82A}">
+                    <a16:rowId xmlns:a16="http://schemas.microsoft.com/office/drawing/2014/main" val="1442589501"/>
+                  </a:ext>
+                </a:extLst>
+              </a:tr>
+            </a:tbl>
+          </a:graphicData>
+        </a:graphic>
+      </p:graphicFrame>
+      <p:graphicFrame>
+        <p:nvGraphicFramePr>
+          <p:cNvPr id="10" name="Table 4">
+            <a:extLst>
+              <a:ext uri="{FF2B5EF4-FFF2-40B4-BE49-F238E27FC236}">
+                <a16:creationId xmlns:a16="http://schemas.microsoft.com/office/drawing/2014/main" id="{7F9C3B85-E72C-73A2-FB50-530676A95CBB}"/>
+              </a:ext>
+            </a:extLst>
+          </p:cNvPr>
+          <p:cNvGraphicFramePr>
+            <a:graphicFrameLocks noGrp="1"/>
+          </p:cNvGraphicFramePr>
+          <p:nvPr>
+            <p:extLst>
+              <p:ext uri="{D42A27DB-BD31-4B8C-83A1-F6EECF244321}">
+                <p14:modId xmlns:p14="http://schemas.microsoft.com/office/powerpoint/2010/main" val="3757894623"/>
+              </p:ext>
+            </p:extLst>
+          </p:nvPr>
+        </p:nvGraphicFramePr>
+        <p:xfrm>
+          <a:off x="8136021" y="2441786"/>
+          <a:ext cx="2828758" cy="1112520"/>
+        </p:xfrm>
+        <a:graphic>
+          <a:graphicData uri="http://schemas.openxmlformats.org/drawingml/2006/table">
+            <a:tbl>
+              <a:tblPr firstRow="1" bandRow="1">
+                <a:tableStyleId>{5C22544A-7EE6-4342-B048-85BDC9FD1C3A}</a:tableStyleId>
+              </a:tblPr>
+              <a:tblGrid>
+                <a:gridCol w="1414379">
+                  <a:extLst>
+                    <a:ext uri="{9D8B030D-6E8A-4147-A177-3AD203B41FA5}">
+                      <a16:colId xmlns:a16="http://schemas.microsoft.com/office/drawing/2014/main" val="2753936742"/>
+                    </a:ext>
+                  </a:extLst>
+                </a:gridCol>
+                <a:gridCol w="1414379">
+                  <a:extLst>
+                    <a:ext uri="{9D8B030D-6E8A-4147-A177-3AD203B41FA5}">
+                      <a16:colId xmlns:a16="http://schemas.microsoft.com/office/drawing/2014/main" val="2496485342"/>
+                    </a:ext>
+                  </a:extLst>
+                </a:gridCol>
+              </a:tblGrid>
+              <a:tr h="370840">
+                <a:tc>
+                  <a:txBody>
+                    <a:bodyPr/>
+                    <a:lstStyle/>
+                    <a:p>
+                      <a:r>
+                        <a:rPr lang="en-US" dirty="0" err="1"/>
+                        <a:t>user_profile</a:t>
+                      </a:r>
+                      <a:endParaRPr lang="en-US" dirty="0"/>
+                    </a:p>
+                  </a:txBody>
+                  <a:tcPr/>
+                </a:tc>
+                <a:tc>
+                  <a:txBody>
+                    <a:bodyPr/>
+                    <a:lstStyle/>
+                    <a:p>
+                      <a:endParaRPr lang="en-US" dirty="0"/>
+                    </a:p>
+                  </a:txBody>
+                  <a:tcPr/>
+                </a:tc>
+                <a:extLst>
+                  <a:ext uri="{0D108BD9-81ED-4DB2-BD59-A6C34878D82A}">
+                    <a16:rowId xmlns:a16="http://schemas.microsoft.com/office/drawing/2014/main" val="242075065"/>
+                  </a:ext>
+                </a:extLst>
+              </a:tr>
+              <a:tr h="370840">
+                <a:tc>
+                  <a:txBody>
+                    <a:bodyPr/>
+                    <a:lstStyle/>
+                    <a:p>
+                      <a:r>
+                        <a:rPr lang="en-US" dirty="0"/>
+                        <a:t>UPID</a:t>
+                      </a:r>
+                    </a:p>
+                  </a:txBody>
+                  <a:tcPr/>
+                </a:tc>
+                <a:tc>
+                  <a:txBody>
+                    <a:bodyPr/>
+                    <a:lstStyle/>
+                    <a:p>
+                      <a:r>
+                        <a:rPr lang="en-US" dirty="0"/>
+                        <a:t>Primary</a:t>
+                      </a:r>
+                    </a:p>
+                  </a:txBody>
+                  <a:tcPr/>
+                </a:tc>
+                <a:extLst>
+                  <a:ext uri="{0D108BD9-81ED-4DB2-BD59-A6C34878D82A}">
+                    <a16:rowId xmlns:a16="http://schemas.microsoft.com/office/drawing/2014/main" val="3865372532"/>
+                  </a:ext>
+                </a:extLst>
+              </a:tr>
+              <a:tr h="370840">
+                <a:tc>
+                  <a:txBody>
+                    <a:bodyPr/>
+                    <a:lstStyle/>
+                    <a:p>
+                      <a:endParaRPr lang="en-US"/>
+                    </a:p>
+                  </a:txBody>
+                  <a:tcPr/>
+                </a:tc>
+                <a:tc>
+                  <a:txBody>
+                    <a:bodyPr/>
+                    <a:lstStyle/>
+                    <a:p>
+                      <a:endParaRPr lang="en-US" dirty="0"/>
+                    </a:p>
+                  </a:txBody>
+                  <a:tcPr/>
+                </a:tc>
+                <a:extLst>
+                  <a:ext uri="{0D108BD9-81ED-4DB2-BD59-A6C34878D82A}">
+                    <a16:rowId xmlns:a16="http://schemas.microsoft.com/office/drawing/2014/main" val="1442589501"/>
+                  </a:ext>
+                </a:extLst>
+              </a:tr>
+            </a:tbl>
+          </a:graphicData>
+        </a:graphic>
+      </p:graphicFrame>
+      <p:graphicFrame>
+        <p:nvGraphicFramePr>
+          <p:cNvPr id="11" name="Table 4">
+            <a:extLst>
+              <a:ext uri="{FF2B5EF4-FFF2-40B4-BE49-F238E27FC236}">
+                <a16:creationId xmlns:a16="http://schemas.microsoft.com/office/drawing/2014/main" id="{FBC2D340-F3B4-AC7A-EF6B-E88B05BBDBF9}"/>
+              </a:ext>
+            </a:extLst>
+          </p:cNvPr>
+          <p:cNvGraphicFramePr>
+            <a:graphicFrameLocks noGrp="1"/>
+          </p:cNvGraphicFramePr>
+          <p:nvPr>
+            <p:extLst>
+              <p:ext uri="{D42A27DB-BD31-4B8C-83A1-F6EECF244321}">
+                <p14:modId xmlns:p14="http://schemas.microsoft.com/office/powerpoint/2010/main" val="2604252412"/>
+              </p:ext>
+            </p:extLst>
+          </p:nvPr>
+        </p:nvGraphicFramePr>
+        <p:xfrm>
+          <a:off x="7983621" y="620606"/>
+          <a:ext cx="2828758" cy="1112520"/>
+        </p:xfrm>
+        <a:graphic>
+          <a:graphicData uri="http://schemas.openxmlformats.org/drawingml/2006/table">
+            <a:tbl>
+              <a:tblPr firstRow="1" bandRow="1">
+                <a:tableStyleId>{5C22544A-7EE6-4342-B048-85BDC9FD1C3A}</a:tableStyleId>
+              </a:tblPr>
+              <a:tblGrid>
+                <a:gridCol w="1414379">
+                  <a:extLst>
+                    <a:ext uri="{9D8B030D-6E8A-4147-A177-3AD203B41FA5}">
+                      <a16:colId xmlns:a16="http://schemas.microsoft.com/office/drawing/2014/main" val="2753936742"/>
+                    </a:ext>
+                  </a:extLst>
+                </a:gridCol>
+                <a:gridCol w="1414379">
+                  <a:extLst>
+                    <a:ext uri="{9D8B030D-6E8A-4147-A177-3AD203B41FA5}">
+                      <a16:colId xmlns:a16="http://schemas.microsoft.com/office/drawing/2014/main" val="2496485342"/>
+                    </a:ext>
+                  </a:extLst>
+                </a:gridCol>
+              </a:tblGrid>
+              <a:tr h="370840">
+                <a:tc>
+                  <a:txBody>
+                    <a:bodyPr/>
+                    <a:lstStyle/>
+                    <a:p>
+                      <a:r>
+                        <a:rPr lang="en-US" dirty="0" err="1"/>
+                        <a:t>user_roles</a:t>
+                      </a:r>
+                      <a:endParaRPr lang="en-US" dirty="0"/>
+                    </a:p>
+                  </a:txBody>
+                  <a:tcPr/>
+                </a:tc>
+                <a:tc>
+                  <a:txBody>
+                    <a:bodyPr/>
+                    <a:lstStyle/>
+                    <a:p>
+                      <a:endParaRPr lang="en-US"/>
+                    </a:p>
+                  </a:txBody>
+                  <a:tcPr/>
+                </a:tc>
+                <a:extLst>
+                  <a:ext uri="{0D108BD9-81ED-4DB2-BD59-A6C34878D82A}">
+                    <a16:rowId xmlns:a16="http://schemas.microsoft.com/office/drawing/2014/main" val="242075065"/>
+                  </a:ext>
+                </a:extLst>
+              </a:tr>
+              <a:tr h="370840">
+                <a:tc>
+                  <a:txBody>
+                    <a:bodyPr/>
+                    <a:lstStyle/>
+                    <a:p>
+                      <a:r>
+                        <a:rPr lang="en-US" dirty="0"/>
+                        <a:t>URID</a:t>
+                      </a:r>
+                    </a:p>
+                  </a:txBody>
+                  <a:tcPr/>
+                </a:tc>
+                <a:tc>
+                  <a:txBody>
+                    <a:bodyPr/>
+                    <a:lstStyle/>
+                    <a:p>
+                      <a:endParaRPr lang="en-US"/>
+                    </a:p>
+                  </a:txBody>
+                  <a:tcPr/>
+                </a:tc>
+                <a:extLst>
+                  <a:ext uri="{0D108BD9-81ED-4DB2-BD59-A6C34878D82A}">
+                    <a16:rowId xmlns:a16="http://schemas.microsoft.com/office/drawing/2014/main" val="3865372532"/>
+                  </a:ext>
+                </a:extLst>
+              </a:tr>
+              <a:tr h="370840">
+                <a:tc>
+                  <a:txBody>
+                    <a:bodyPr/>
+                    <a:lstStyle/>
+                    <a:p>
+                      <a:endParaRPr lang="en-US"/>
+                    </a:p>
+                  </a:txBody>
+                  <a:tcPr/>
+                </a:tc>
+                <a:tc>
+                  <a:txBody>
+                    <a:bodyPr/>
+                    <a:lstStyle/>
+                    <a:p>
+                      <a:endParaRPr lang="en-US" dirty="0"/>
+                    </a:p>
+                  </a:txBody>
+                  <a:tcPr/>
+                </a:tc>
+                <a:extLst>
+                  <a:ext uri="{0D108BD9-81ED-4DB2-BD59-A6C34878D82A}">
+                    <a16:rowId xmlns:a16="http://schemas.microsoft.com/office/drawing/2014/main" val="1442589501"/>
+                  </a:ext>
+                </a:extLst>
+              </a:tr>
+            </a:tbl>
+          </a:graphicData>
+        </a:graphic>
+      </p:graphicFrame>
+    </p:spTree>
+    <p:extLst>
+      <p:ext uri="{BB962C8B-B14F-4D97-AF65-F5344CB8AC3E}">
+        <p14:creationId xmlns:p14="http://schemas.microsoft.com/office/powerpoint/2010/main" val="1730160175"/>
       </p:ext>
     </p:extLst>
   </p:cSld>
